--- a/weekly_report/group1/group1_week7_ppt.pptx
+++ b/weekly_report/group1/group1_week7_ppt.pptx
@@ -127,6 +127,11 @@
       </a:defRPr>
     </a:lvl9pPr>
   </p:defaultTextStyle>
+  <p:extLst>
+    <p:ext uri="{EFAFB233-063F-42B5-8137-9DF3F51BA10A}">
+      <p15:sldGuideLst xmlns:p15="http://schemas.microsoft.com/office/powerpoint/2012/main"/>
+    </p:ext>
+  </p:extLst>
 </p:presentation>
 </file>
 
@@ -8495,7 +8500,7 @@
           <p:nvPr>
             <p:extLst>
               <p:ext uri="{D42A27DB-BD31-4B8C-83A1-F6EECF244321}">
-                <p14:modId xmlns:p14="http://schemas.microsoft.com/office/powerpoint/2010/main" val="12146412"/>
+                <p14:modId xmlns:p14="http://schemas.microsoft.com/office/powerpoint/2010/main" val="1473619614"/>
               </p:ext>
             </p:extLst>
           </p:nvPr>
@@ -8768,15 +8773,19 @@
                       </a:r>
                       <a:r>
                         <a:rPr lang="zh-CN" altLang="en-US" dirty="0" smtClean="0"/>
-                        <a:t>探究影响和限制仿生</a:t>
+                        <a:t>探究影响</a:t>
                       </a:r>
                       <a:r>
-                        <a:rPr lang="zh-CN" altLang="en-US" dirty="0"/>
-                        <a:t>扑</a:t>
+                        <a:rPr lang="zh-CN" altLang="en-US" smtClean="0"/>
+                        <a:t>和</a:t>
+                      </a:r>
+                      <a:r>
+                        <a:rPr lang="zh-CN" altLang="en-US" smtClean="0"/>
+                        <a:t>限制无人机</a:t>
                       </a:r>
                       <a:r>
                         <a:rPr lang="zh-CN" altLang="en-US" dirty="0" smtClean="0"/>
-                        <a:t>翼无人机的因素</a:t>
+                        <a:t>的因素</a:t>
                       </a:r>
                       <a:endParaRPr lang="zh-CN" altLang="en-US" dirty="0"/>
                     </a:p>

--- a/weekly_report/group1/group1_week7_ppt.pptx
+++ b/weekly_report/group1/group1_week7_ppt.pptx
@@ -6173,7 +6173,15 @@
             </a:r>
             <a:r>
               <a:rPr lang="zh-CN" altLang="en-US" dirty="0" smtClean="0"/>
-              <a:t>成本是不随产量变化的部分，比如工人的工资，管理人员的工资，研发费用</a:t>
+              <a:t>成本是不随产量变化的部分，</a:t>
+            </a:r>
+            <a:r>
+              <a:rPr lang="zh-CN" altLang="en-US" dirty="0" smtClean="0"/>
+              <a:t>比如厂房租金，土地租金，</a:t>
+            </a:r>
+            <a:r>
+              <a:rPr lang="zh-CN" altLang="en-US" dirty="0" smtClean="0"/>
+              <a:t>研发费用</a:t>
             </a:r>
             <a:endParaRPr lang="en-US" altLang="zh-CN" dirty="0" smtClean="0"/>
           </a:p>
@@ -8777,11 +8785,7 @@
                       </a:r>
                       <a:r>
                         <a:rPr lang="zh-CN" altLang="en-US" smtClean="0"/>
-                        <a:t>和</a:t>
-                      </a:r>
-                      <a:r>
-                        <a:rPr lang="zh-CN" altLang="en-US" smtClean="0"/>
-                        <a:t>限制无人机</a:t>
+                        <a:t>和限制无人机</a:t>
                       </a:r>
                       <a:r>
                         <a:rPr lang="zh-CN" altLang="en-US" dirty="0" smtClean="0"/>
